--- a/slides/poster.pptx
+++ b/slides/poster.pptx
@@ -3028,7 +3028,7 @@
         </p:nvSpPr>
         <p:spPr>
           <a:xfrm>
-            <a:off x="27605385" y="3017596"/>
+            <a:off x="39515630" y="2638315"/>
             <a:ext cx="10274864" cy="1394100"/>
           </a:xfrm>
           <a:prstGeom prst="rect">
@@ -3066,7 +3066,7 @@
         </p:nvSpPr>
         <p:spPr>
           <a:xfrm>
-            <a:off x="1953805" y="10328803"/>
+            <a:off x="2136863" y="10630980"/>
             <a:ext cx="12942326" cy="1394100"/>
           </a:xfrm>
           <a:prstGeom prst="rect">
@@ -3106,7 +3106,7 @@
         </p:nvSpPr>
         <p:spPr>
           <a:xfrm>
-            <a:off x="21889164" y="10328803"/>
+            <a:off x="22062489" y="10630980"/>
             <a:ext cx="6706772" cy="1394100"/>
           </a:xfrm>
           <a:prstGeom prst="rect">
@@ -3146,7 +3146,7 @@
         </p:nvSpPr>
         <p:spPr>
           <a:xfrm>
-            <a:off x="34453487" y="10272635"/>
+            <a:off x="34933497" y="10182020"/>
             <a:ext cx="14305990" cy="2695866"/>
           </a:xfrm>
           <a:prstGeom prst="rect">
@@ -3201,7 +3201,7 @@
         </p:blipFill>
         <p:spPr>
           <a:xfrm>
-            <a:off x="4347453" y="12933835"/>
+            <a:off x="4530511" y="12581162"/>
             <a:ext cx="4968811" cy="3726608"/>
           </a:xfrm>
           <a:prstGeom prst="rect">
@@ -3231,7 +3231,7 @@
         </p:blipFill>
         <p:spPr>
           <a:xfrm>
-            <a:off x="5220009" y="13552696"/>
+            <a:off x="5403067" y="13200023"/>
             <a:ext cx="4968811" cy="3726608"/>
           </a:xfrm>
           <a:prstGeom prst="rect">
@@ -3261,7 +3261,7 @@
         </p:blipFill>
         <p:spPr>
           <a:xfrm>
-            <a:off x="6092565" y="14302187"/>
+            <a:off x="6275623" y="13949514"/>
             <a:ext cx="4968811" cy="3726608"/>
           </a:xfrm>
           <a:prstGeom prst="rect">
@@ -3291,7 +3291,7 @@
         </p:blipFill>
         <p:spPr>
           <a:xfrm>
-            <a:off x="6629761" y="15051678"/>
+            <a:off x="6812819" y="14699005"/>
             <a:ext cx="4968811" cy="3726608"/>
           </a:xfrm>
           <a:prstGeom prst="rect">
@@ -3307,7 +3307,7 @@
         </p:nvSpPr>
         <p:spPr>
           <a:xfrm>
-            <a:off x="7655834" y="20475282"/>
+            <a:off x="7838892" y="20122609"/>
             <a:ext cx="691106" cy="1281394"/>
           </a:xfrm>
           <a:prstGeom prst="downArrow">
@@ -3369,7 +3369,7 @@
         </p:blipFill>
         <p:spPr>
           <a:xfrm>
-            <a:off x="4612910" y="22895835"/>
+            <a:off x="4795968" y="22543162"/>
             <a:ext cx="5318234" cy="3999509"/>
           </a:xfrm>
           <a:prstGeom prst="rect">
@@ -3399,7 +3399,7 @@
         </p:blipFill>
         <p:spPr>
           <a:xfrm>
-            <a:off x="5227461" y="23582117"/>
+            <a:off x="5410519" y="23229444"/>
             <a:ext cx="5318234" cy="3999509"/>
           </a:xfrm>
           <a:prstGeom prst="rect">
@@ -3429,7 +3429,7 @@
         </p:blipFill>
         <p:spPr>
           <a:xfrm>
-            <a:off x="5842012" y="24251417"/>
+            <a:off x="6025070" y="23898744"/>
             <a:ext cx="5318234" cy="3999509"/>
           </a:xfrm>
           <a:prstGeom prst="rect">
@@ -3459,7 +3459,7 @@
         </p:blipFill>
         <p:spPr>
           <a:xfrm>
-            <a:off x="6470340" y="24918720"/>
+            <a:off x="6653398" y="24566047"/>
             <a:ext cx="5318234" cy="3999509"/>
           </a:xfrm>
           <a:prstGeom prst="rect">
@@ -3489,7 +3489,7 @@
         </p:blipFill>
         <p:spPr>
           <a:xfrm>
-            <a:off x="1953805" y="31183716"/>
+            <a:off x="2136863" y="30831043"/>
             <a:ext cx="12453680" cy="7309178"/>
           </a:xfrm>
           <a:prstGeom prst="rect">
@@ -3519,7 +3519,7 @@
         </p:blipFill>
         <p:spPr>
           <a:xfrm>
-            <a:off x="23138534" y="13469528"/>
+            <a:off x="23321592" y="13116855"/>
             <a:ext cx="4826476" cy="3629690"/>
           </a:xfrm>
           <a:prstGeom prst="rect">
@@ -3549,7 +3549,7 @@
         </p:blipFill>
         <p:spPr>
           <a:xfrm>
-            <a:off x="23133492" y="19326492"/>
+            <a:off x="23316550" y="18973819"/>
             <a:ext cx="4800464" cy="3604539"/>
           </a:xfrm>
           <a:prstGeom prst="rect">
@@ -3579,7 +3579,7 @@
         </p:blipFill>
         <p:spPr>
           <a:xfrm>
-            <a:off x="18245520" y="19226674"/>
+            <a:off x="18428578" y="18874001"/>
             <a:ext cx="1689571" cy="1210439"/>
           </a:xfrm>
           <a:prstGeom prst="rect">
@@ -3609,7 +3609,7 @@
         </p:blipFill>
         <p:spPr>
           <a:xfrm>
-            <a:off x="18368629" y="15581972"/>
+            <a:off x="18551687" y="15229299"/>
             <a:ext cx="1526177" cy="1177337"/>
           </a:xfrm>
           <a:prstGeom prst="rect">
@@ -3625,7 +3625,7 @@
         </p:nvCxnSpPr>
         <p:spPr>
           <a:xfrm flipV="1">
-            <a:off x="20425284" y="16127679"/>
+            <a:off x="20608342" y="15775006"/>
             <a:ext cx="5942922" cy="11434"/>
           </a:xfrm>
           <a:prstGeom prst="straightConnector1">
@@ -3662,7 +3662,7 @@
         </p:nvCxnSpPr>
         <p:spPr>
           <a:xfrm>
-            <a:off x="20415118" y="17175560"/>
+            <a:off x="20598176" y="16822887"/>
             <a:ext cx="5397580" cy="4719024"/>
           </a:xfrm>
           <a:prstGeom prst="straightConnector1">
@@ -3699,7 +3699,7 @@
         </p:nvCxnSpPr>
         <p:spPr>
           <a:xfrm>
-            <a:off x="20767425" y="20347528"/>
+            <a:off x="20950483" y="19994855"/>
             <a:ext cx="3197445" cy="1547056"/>
           </a:xfrm>
           <a:prstGeom prst="straightConnector1">
@@ -3736,7 +3736,7 @@
         </p:nvCxnSpPr>
         <p:spPr>
           <a:xfrm flipV="1">
-            <a:off x="20425284" y="16839775"/>
+            <a:off x="20608342" y="16487102"/>
             <a:ext cx="4005202" cy="2627490"/>
           </a:xfrm>
           <a:prstGeom prst="straightConnector1">
@@ -3787,7 +3787,7 @@
         </p:blipFill>
         <p:spPr>
           <a:xfrm>
-            <a:off x="20571530" y="25345383"/>
+            <a:off x="20754588" y="24992710"/>
             <a:ext cx="8272108" cy="4854975"/>
           </a:xfrm>
           <a:prstGeom prst="rect">
@@ -3817,7 +3817,7 @@
         </p:blipFill>
         <p:spPr>
           <a:xfrm>
-            <a:off x="18408877" y="32424422"/>
+            <a:off x="18591935" y="32071749"/>
             <a:ext cx="12403736" cy="6070078"/>
           </a:xfrm>
           <a:prstGeom prst="rect">
@@ -3847,7 +3847,7 @@
         </p:blipFill>
         <p:spPr>
           <a:xfrm>
-            <a:off x="38514186" y="14131886"/>
+            <a:off x="38697244" y="13779213"/>
             <a:ext cx="6978588" cy="5038620"/>
           </a:xfrm>
           <a:prstGeom prst="rect">
@@ -3877,7 +3877,7 @@
         </p:blipFill>
         <p:spPr>
           <a:xfrm>
-            <a:off x="38842379" y="21683476"/>
+            <a:off x="39025437" y="21330803"/>
             <a:ext cx="6322202" cy="7701592"/>
           </a:xfrm>
           <a:prstGeom prst="rect">
@@ -3907,7 +3907,7 @@
         </p:blipFill>
         <p:spPr>
           <a:xfrm>
-            <a:off x="38794687" y="31881468"/>
+            <a:off x="38977745" y="31528795"/>
             <a:ext cx="6217494" cy="4537090"/>
           </a:xfrm>
           <a:prstGeom prst="rect">
@@ -3983,7 +3983,7 @@
         </p:nvSpPr>
         <p:spPr>
           <a:xfrm>
-            <a:off x="42003480" y="20011510"/>
+            <a:off x="42186538" y="19658837"/>
             <a:ext cx="691106" cy="1281394"/>
           </a:xfrm>
           <a:prstGeom prst="downArrow">
@@ -4031,7 +4031,7 @@
         </p:nvSpPr>
         <p:spPr>
           <a:xfrm>
-            <a:off x="24430486" y="30912454"/>
+            <a:off x="24613544" y="30559781"/>
             <a:ext cx="691106" cy="1281394"/>
           </a:xfrm>
           <a:prstGeom prst="downArrow">
@@ -4079,7 +4079,7 @@
         </p:nvSpPr>
         <p:spPr>
           <a:xfrm>
-            <a:off x="24707584" y="23589443"/>
+            <a:off x="24890642" y="23236770"/>
             <a:ext cx="691106" cy="1281394"/>
           </a:xfrm>
           <a:prstGeom prst="downArrow">
@@ -4127,7 +4127,7 @@
         </p:nvSpPr>
         <p:spPr>
           <a:xfrm>
-            <a:off x="7795996" y="29751580"/>
+            <a:off x="7979054" y="29398907"/>
             <a:ext cx="691106" cy="1281394"/>
           </a:xfrm>
           <a:prstGeom prst="downArrow">
@@ -4175,7 +4175,7 @@
         </p:nvSpPr>
         <p:spPr>
           <a:xfrm>
-            <a:off x="42003480" y="30116470"/>
+            <a:off x="42186538" y="29763797"/>
             <a:ext cx="691106" cy="1281394"/>
           </a:xfrm>
           <a:prstGeom prst="downArrow">
@@ -4223,7 +4223,7 @@
         </p:nvSpPr>
         <p:spPr>
           <a:xfrm>
-            <a:off x="9611121" y="20015781"/>
+            <a:off x="9794179" y="19663108"/>
             <a:ext cx="5970576" cy="2123658"/>
           </a:xfrm>
           <a:prstGeom prst="rect">
@@ -4253,7 +4253,7 @@
         </p:nvSpPr>
         <p:spPr>
           <a:xfrm>
-            <a:off x="9611121" y="29481190"/>
+            <a:off x="9794179" y="29128517"/>
             <a:ext cx="9086489" cy="2123658"/>
           </a:xfrm>
           <a:prstGeom prst="rect">
@@ -4283,7 +4283,7 @@
         </p:nvSpPr>
         <p:spPr>
           <a:xfrm>
-            <a:off x="14943295" y="13177584"/>
+            <a:off x="15126353" y="12824911"/>
             <a:ext cx="8376844" cy="2123658"/>
           </a:xfrm>
           <a:prstGeom prst="rect">
@@ -4312,8 +4312,8 @@
         </p:nvSpPr>
         <p:spPr>
           <a:xfrm>
-            <a:off x="2136863" y="5426424"/>
-            <a:ext cx="7179401" cy="1446550"/>
+            <a:off x="2077000" y="4774328"/>
+            <a:ext cx="48612058" cy="4493538"/>
           </a:xfrm>
           <a:prstGeom prst="rect">
             <a:avLst/>
@@ -4332,7 +4332,22 @@
                   <a:srgbClr val="C00000"/>
                 </a:solidFill>
               </a:rPr>
-              <a:t>Introduction: </a:t>
+              <a:t>Introduction</a:t>
+            </a:r>
+            <a:endParaRPr lang="en-US" altLang="zh-CN" sz="8800" b="1" dirty="0">
+              <a:solidFill>
+                <a:srgbClr val="C00000"/>
+              </a:solidFill>
+            </a:endParaRPr>
+          </a:p>
+          <a:p>
+            <a:r>
+              <a:rPr lang="en-US" altLang="zh-CN" sz="6600" b="1" dirty="0" smtClean="0"/>
+              <a:t>Traditional Auto Focus (AF) techniques including Range Finders, Active AF and Passive AF ar</a:t>
+            </a:r>
+            <a:r>
+              <a:rPr lang="en-US" altLang="zh-CN" sz="6600" b="1" dirty="0" smtClean="0"/>
+              <a:t>e not quite time efficient. In this project, we tried to use structure form motion  (SFM) to recover the depth of the object in images, and use the depth to calculate the focal length needed. </a:t>
             </a:r>
             <a:endParaRPr lang="zh-CN" altLang="en-US" sz="8800" b="1" dirty="0">
               <a:solidFill>
@@ -4350,7 +4365,7 @@
         </p:nvSpPr>
         <p:spPr>
           <a:xfrm>
-            <a:off x="28006281" y="25847425"/>
+            <a:off x="28189339" y="25494752"/>
             <a:ext cx="8677505" cy="3139321"/>
           </a:xfrm>
           <a:prstGeom prst="rect">
@@ -4380,7 +4395,7 @@
         </p:nvSpPr>
         <p:spPr>
           <a:xfrm>
-            <a:off x="28364303" y="16692572"/>
+            <a:off x="28547361" y="16339899"/>
             <a:ext cx="7795946" cy="3139321"/>
           </a:xfrm>
           <a:prstGeom prst="rect">
@@ -4410,7 +4425,7 @@
         </p:nvSpPr>
         <p:spPr>
           <a:xfrm>
-            <a:off x="45340374" y="14982815"/>
+            <a:off x="45523432" y="14630142"/>
             <a:ext cx="3889791" cy="2123658"/>
           </a:xfrm>
           <a:prstGeom prst="rect">
@@ -4440,7 +4455,7 @@
         </p:nvSpPr>
         <p:spPr>
           <a:xfrm>
-            <a:off x="42542186" y="15525804"/>
+            <a:off x="42725244" y="15173131"/>
             <a:ext cx="2469995" cy="133350"/>
           </a:xfrm>
           <a:prstGeom prst="leftArrow">
@@ -4480,7 +4495,7 @@
         </p:nvSpPr>
         <p:spPr>
           <a:xfrm>
-            <a:off x="27965010" y="33454373"/>
+            <a:off x="28148068" y="33101700"/>
             <a:ext cx="8677505" cy="3139321"/>
           </a:xfrm>
           <a:prstGeom prst="rect">
@@ -4510,7 +4525,7 @@
         </p:nvSpPr>
         <p:spPr>
           <a:xfrm>
-            <a:off x="45647313" y="24715518"/>
+            <a:off x="45830371" y="24362845"/>
             <a:ext cx="3889791" cy="2123658"/>
           </a:xfrm>
           <a:prstGeom prst="rect">
@@ -4540,7 +4555,7 @@
         </p:nvSpPr>
         <p:spPr>
           <a:xfrm>
-            <a:off x="45367963" y="31355066"/>
+            <a:off x="45551021" y="31002393"/>
             <a:ext cx="5380958" cy="6186309"/>
           </a:xfrm>
           <a:prstGeom prst="rect">
